--- a/AJT 01 - Slides/AJT (01CE0411) - Unit 1 - JDBC.pptx
+++ b/AJT 01 - Slides/AJT (01CE0411) - Unit 1 - JDBC.pptx
@@ -325,7 +325,7 @@
           <a:p>
             <a:fld id="{EBCDB223-1744-4BBC-9844-9773C6B7C09F}" type="datetimeFigureOut">
               <a:rPr lang="en-IN" smtClean="0"/>
-              <a:t>12-12-2022</a:t>
+              <a:t>10-01-2023</a:t>
             </a:fld>
             <a:endParaRPr lang="en-IN"/>
           </a:p>
@@ -490,7 +490,7 @@
           <a:p>
             <a:fld id="{EA89CDE9-15B3-4418-B829-6A0B102FE7D6}" type="datetimeFigureOut">
               <a:rPr lang="en-IN" smtClean="0"/>
-              <a:t>12-12-2022</a:t>
+              <a:t>10-01-2023</a:t>
             </a:fld>
             <a:endParaRPr lang="en-IN"/>
           </a:p>
@@ -1075,7 +1075,7 @@
           <a:p>
             <a:fld id="{E906B210-3390-405F-BB21-1086F4989AE1}" type="datetime1">
               <a:rPr lang="en-IN" smtClean="0"/>
-              <a:t>12-12-2022</a:t>
+              <a:t>10-01-2023</a:t>
             </a:fld>
             <a:endParaRPr lang="en-IN"/>
           </a:p>
@@ -1249,7 +1249,7 @@
           <a:p>
             <a:fld id="{801F5B72-9ACB-43BB-83D9-FC27C4C8081B}" type="datetime1">
               <a:rPr lang="en-IN" smtClean="0"/>
-              <a:t>12-12-2022</a:t>
+              <a:t>10-01-2023</a:t>
             </a:fld>
             <a:endParaRPr lang="en-IN"/>
           </a:p>
@@ -1430,7 +1430,7 @@
           <a:p>
             <a:fld id="{CC2102C9-A4D6-4390-931A-C0AEB38A5AAD}" type="datetime1">
               <a:rPr lang="en-IN" smtClean="0"/>
-              <a:t>12-12-2022</a:t>
+              <a:t>10-01-2023</a:t>
             </a:fld>
             <a:endParaRPr lang="en-IN"/>
           </a:p>
@@ -1601,7 +1601,7 @@
           <a:p>
             <a:fld id="{A684614E-FEE9-493C-B950-411949F3AC4A}" type="datetime1">
               <a:rPr lang="en-IN" smtClean="0"/>
-              <a:t>12-12-2022</a:t>
+              <a:t>10-01-2023</a:t>
             </a:fld>
             <a:endParaRPr lang="en-IN"/>
           </a:p>
@@ -1860,7 +1860,7 @@
           <a:p>
             <a:fld id="{49B90D15-328C-4768-ACDF-1344DBA813C4}" type="datetime1">
               <a:rPr lang="en-IN" smtClean="0"/>
-              <a:t>12-12-2022</a:t>
+              <a:t>10-01-2023</a:t>
             </a:fld>
             <a:endParaRPr lang="en-IN"/>
           </a:p>
@@ -2152,7 +2152,7 @@
           <a:p>
             <a:fld id="{20EA72DE-C074-451D-BD6A-0F55AC69D739}" type="datetime1">
               <a:rPr lang="en-IN" smtClean="0"/>
-              <a:t>12-12-2022</a:t>
+              <a:t>10-01-2023</a:t>
             </a:fld>
             <a:endParaRPr lang="en-IN"/>
           </a:p>
@@ -2598,7 +2598,7 @@
           <a:p>
             <a:fld id="{47A63560-E1C1-40AC-8B7D-BD825B22BEFF}" type="datetime1">
               <a:rPr lang="en-IN" smtClean="0"/>
-              <a:t>12-12-2022</a:t>
+              <a:t>10-01-2023</a:t>
             </a:fld>
             <a:endParaRPr lang="en-IN"/>
           </a:p>
@@ -2717,7 +2717,7 @@
           <a:p>
             <a:fld id="{2CBBF14E-C334-4C7D-8138-377293B5A0E3}" type="datetime1">
               <a:rPr lang="en-IN" smtClean="0"/>
-              <a:t>12-12-2022</a:t>
+              <a:t>10-01-2023</a:t>
             </a:fld>
             <a:endParaRPr lang="en-IN"/>
           </a:p>
@@ -2816,7 +2816,7 @@
           <a:p>
             <a:fld id="{164CDB3E-9F58-40C5-A154-E2FC57D6783F}" type="datetime1">
               <a:rPr lang="en-IN" smtClean="0"/>
-              <a:t>12-12-2022</a:t>
+              <a:t>10-01-2023</a:t>
             </a:fld>
             <a:endParaRPr lang="en-IN"/>
           </a:p>
@@ -3108,7 +3108,7 @@
           <a:p>
             <a:fld id="{8FAD03CF-61BB-4305-BEC8-04DF2051D6AB}" type="datetime1">
               <a:rPr lang="en-IN" smtClean="0"/>
-              <a:t>12-12-2022</a:t>
+              <a:t>10-01-2023</a:t>
             </a:fld>
             <a:endParaRPr lang="en-IN"/>
           </a:p>
@@ -3382,7 +3382,7 @@
           <a:p>
             <a:fld id="{BB8F3FFF-D686-49FA-A133-72293E3F533C}" type="datetime1">
               <a:rPr lang="en-IN" smtClean="0"/>
-              <a:t>12-12-2022</a:t>
+              <a:t>10-01-2023</a:t>
             </a:fld>
             <a:endParaRPr lang="en-IN"/>
           </a:p>
@@ -3681,7 +3681,7 @@
           <a:p>
             <a:fld id="{90702C43-4767-4078-BF7E-2E5C06B73457}" type="datetime1">
               <a:rPr lang="en-IN" smtClean="0"/>
-              <a:t>12-12-2022</a:t>
+              <a:t>10-01-2023</a:t>
             </a:fld>
             <a:endParaRPr lang="en-IN"/>
           </a:p>
@@ -16516,28 +16516,7 @@
           <a:p>
             <a:r>
               <a:rPr lang="en-US" dirty="0" smtClean="0"/>
-              <a:t>Some </a:t>
-            </a:r>
-            <a:br>
-              <a:rPr lang="en-US" dirty="0" smtClean="0"/>
-            </a:br>
-            <a:r>
-              <a:rPr lang="en-US" dirty="0" smtClean="0"/>
-              <a:t>Interfaces </a:t>
-            </a:r>
-            <a:br>
-              <a:rPr lang="en-US" dirty="0" smtClean="0"/>
-            </a:br>
-            <a:r>
-              <a:rPr lang="en-US" dirty="0" smtClean="0"/>
-              <a:t>&amp; </a:t>
-            </a:r>
-            <a:br>
-              <a:rPr lang="en-US" dirty="0" smtClean="0"/>
-            </a:br>
-            <a:r>
-              <a:rPr lang="en-US" dirty="0" smtClean="0"/>
-              <a:t>Classes</a:t>
+              <a:t>Types of Statement objects</a:t>
             </a:r>
             <a:endParaRPr lang="en-IN" dirty="0"/>
           </a:p>
@@ -16582,7 +16561,15 @@
             </a:pPr>
             <a:r>
               <a:rPr lang="en-IN" sz="2000" dirty="0"/>
-              <a:t>SELECT * FORM </a:t>
+              <a:t>SELECT </a:t>
+            </a:r>
+            <a:r>
+              <a:rPr lang="en-IN" sz="2000"/>
+              <a:t>* </a:t>
+            </a:r>
+            <a:r>
+              <a:rPr lang="en-IN" sz="2000" smtClean="0"/>
+              <a:t>FROM </a:t>
             </a:r>
             <a:r>
               <a:rPr lang="en-IN" sz="2000" dirty="0" err="1"/>
@@ -20258,7 +20245,7 @@
             </a:r>
             <a:r>
               <a:rPr lang="en-IN" dirty="0" smtClean="0"/>
-              <a:t>://localhost:3306/tc1", 	"root", "root");  </a:t>
+              <a:t>://localhost:3306/mydb1", "root", "" );  </a:t>
             </a:r>
           </a:p>
           <a:p>
@@ -20366,7 +20353,7 @@
             </a:r>
             <a:r>
               <a:rPr lang="en-IN" sz="1800" dirty="0" smtClean="0"/>
-              <a:t>(1)+"  “</a:t>
+              <a:t>(1)+"  "</a:t>
             </a:r>
           </a:p>
           <a:p>
@@ -20824,7 +20811,6 @@
           </a:p>
           <a:p>
             <a:pPr marL="0" indent="0">
-              <a:buFont typeface="Wingdings 2" pitchFamily="18" charset="2"/>
               <a:buNone/>
             </a:pPr>
             <a:r>
@@ -20841,7 +20827,23 @@
             </a:r>
             <a:r>
               <a:rPr lang="en-IN" dirty="0" smtClean="0"/>
-              <a:t>://localhost:3306/tc1", "root", "root");  </a:t>
+              <a:t>://</a:t>
+            </a:r>
+            <a:r>
+              <a:rPr lang="en-IN" dirty="0"/>
+              <a:t>localhost</a:t>
+            </a:r>
+            <a:r>
+              <a:rPr lang="en-IN" dirty="0" smtClean="0"/>
+              <a:t>: 3306/mydb1</a:t>
+            </a:r>
+            <a:r>
+              <a:rPr lang="en-IN" dirty="0"/>
+              <a:t>", </a:t>
+            </a:r>
+            <a:r>
+              <a:rPr lang="en-IN" dirty="0" smtClean="0"/>
+              <a:t>"root",  "" );  </a:t>
             </a:r>
           </a:p>
           <a:p>
@@ -22263,7 +22265,21 @@
                 <a:latin typeface="Courier New" pitchFamily="49" charset="0"/>
                 <a:cs typeface="Courier New" pitchFamily="49" charset="0"/>
               </a:rPr>
-              <a:t>("Table Not created");</a:t>
+              <a:t>("Table </a:t>
+            </a:r>
+            <a:r>
+              <a:rPr lang="en-IN" sz="2800" dirty="0" smtClean="0">
+                <a:latin typeface="Courier New" pitchFamily="49" charset="0"/>
+                <a:cs typeface="Courier New" pitchFamily="49" charset="0"/>
+              </a:rPr>
+              <a:t>created</a:t>
+            </a:r>
+            <a:r>
+              <a:rPr lang="en-IN" sz="2800" dirty="0">
+                <a:latin typeface="Courier New" pitchFamily="49" charset="0"/>
+                <a:cs typeface="Courier New" pitchFamily="49" charset="0"/>
+              </a:rPr>
+              <a:t>");</a:t>
             </a:r>
           </a:p>
           <a:p>
@@ -22317,21 +22333,7 @@
                 <a:latin typeface="Courier New" pitchFamily="49" charset="0"/>
                 <a:cs typeface="Courier New" pitchFamily="49" charset="0"/>
               </a:rPr>
-              <a:t>("Table </a:t>
-            </a:r>
-            <a:r>
-              <a:rPr lang="en-IN" sz="2800" dirty="0" smtClean="0">
-                <a:latin typeface="Courier New" pitchFamily="49" charset="0"/>
-                <a:cs typeface="Courier New" pitchFamily="49" charset="0"/>
-              </a:rPr>
-              <a:t>created</a:t>
-            </a:r>
-            <a:r>
-              <a:rPr lang="en-IN" sz="2800" dirty="0">
-                <a:latin typeface="Courier New" pitchFamily="49" charset="0"/>
-                <a:cs typeface="Courier New" pitchFamily="49" charset="0"/>
-              </a:rPr>
-              <a:t>");</a:t>
+              <a:t>("Table Not created");</a:t>
             </a:r>
           </a:p>
         </p:txBody>
@@ -26601,15 +26603,7 @@
             </a:r>
             <a:r>
               <a:rPr lang="en-US" dirty="0" smtClean="0"/>
-              <a:t>(2</a:t>
-            </a:r>
-            <a:r>
-              <a:rPr lang="en-US" dirty="0"/>
-              <a:t>,"ravi</a:t>
-            </a:r>
-            <a:r>
-              <a:rPr lang="en-US" dirty="0" smtClean="0"/>
-              <a:t>");   </a:t>
+              <a:t>(2,"Ravi");   </a:t>
             </a:r>
             <a:r>
               <a:rPr lang="en-US" dirty="0" err="1"/>
@@ -31047,7 +31041,21 @@
                 <a:latin typeface="Courier New" pitchFamily="49" charset="0"/>
                 <a:cs typeface="Courier New" pitchFamily="49" charset="0"/>
               </a:rPr>
-              <a:t>+ rs1.getInt(3) + " “ + rs1.getInt(4)</a:t>
+              <a:t>+ rs1.getInt(3) + " </a:t>
+            </a:r>
+            <a:r>
+              <a:rPr lang="en-IN" sz="2400" dirty="0" smtClean="0">
+                <a:latin typeface="Courier New" pitchFamily="49" charset="0"/>
+                <a:cs typeface="Courier New" pitchFamily="49" charset="0"/>
+              </a:rPr>
+              <a:t>" </a:t>
+            </a:r>
+            <a:r>
+              <a:rPr lang="en-IN" sz="2400" dirty="0" smtClean="0">
+                <a:latin typeface="Courier New" pitchFamily="49" charset="0"/>
+                <a:cs typeface="Courier New" pitchFamily="49" charset="0"/>
+              </a:rPr>
+              <a:t>+ rs1.getInt(4)</a:t>
             </a:r>
           </a:p>
           <a:p>
@@ -39709,7 +39717,7 @@
               <a:pPr/>
               <a:t>99</a:t>
             </a:fld>
-            <a:endParaRPr lang="en-IN"/>
+            <a:endParaRPr lang="en-IN" dirty="0"/>
           </a:p>
         </p:txBody>
       </p:sp>
